--- a/Final project/MDW presentation.pptx
+++ b/Final project/MDW presentation.pptx
@@ -5,20 +5,22 @@
     <p:sldMasterId id="2147483648" r:id="rId1"/>
   </p:sldMasterIdLst>
   <p:notesMasterIdLst>
-    <p:notesMasterId r:id="rId10"/>
+    <p:notesMasterId r:id="rId12"/>
   </p:notesMasterIdLst>
   <p:handoutMasterIdLst>
-    <p:handoutMasterId r:id="rId11"/>
+    <p:handoutMasterId r:id="rId13"/>
   </p:handoutMasterIdLst>
   <p:sldIdLst>
     <p:sldId id="256" r:id="rId2"/>
-    <p:sldId id="263" r:id="rId3"/>
-    <p:sldId id="258" r:id="rId4"/>
-    <p:sldId id="259" r:id="rId5"/>
-    <p:sldId id="260" r:id="rId6"/>
-    <p:sldId id="261" r:id="rId7"/>
-    <p:sldId id="262" r:id="rId8"/>
-    <p:sldId id="264" r:id="rId9"/>
+    <p:sldId id="265" r:id="rId3"/>
+    <p:sldId id="263" r:id="rId4"/>
+    <p:sldId id="258" r:id="rId5"/>
+    <p:sldId id="259" r:id="rId6"/>
+    <p:sldId id="260" r:id="rId7"/>
+    <p:sldId id="261" r:id="rId8"/>
+    <p:sldId id="262" r:id="rId9"/>
+    <p:sldId id="264" r:id="rId10"/>
+    <p:sldId id="267" r:id="rId11"/>
   </p:sldIdLst>
   <p:sldSz cx="9144000" cy="6858000" type="screen4x3"/>
   <p:notesSz cx="6858000" cy="9144000"/>
@@ -149,7 +151,7 @@
   </p:defaultTextStyle>
   <p:extLst>
     <p:ext uri="{EFAFB233-063F-42B5-8137-9DF3F51BA10A}">
-      <p15:sldGuideLst xmlns:p15="http://schemas.microsoft.com/office/powerpoint/2012/main">
+      <p15:sldGuideLst xmlns:p15="http://schemas.microsoft.com/office/powerpoint/2012/main" xmlns="">
         <p15:guide id="1" orient="horz" pos="2160">
           <p15:clr>
             <a:srgbClr val="A4A3A4"/>
@@ -215,14 +217,14 @@
           </a:ln>
           <a:effectLst/>
           <a:extLst>
-            <a:ext uri="{909E8E84-426E-40DD-AFC4-6F175D3DCCD1}">
+            <a:ext uri="{909E8E84-426E-40dd-AFC4-6F175D3DCCD1}">
               <a14:hiddenFill xmlns:a14="http://schemas.microsoft.com/office/drawing/2010/main">
                 <a:solidFill>
                   <a:schemeClr val="accent1"/>
                 </a:solidFill>
               </a14:hiddenFill>
             </a:ext>
-            <a:ext uri="{91240B29-F687-4F45-9708-019B960494DF}">
+            <a:ext uri="{91240B29-F687-4f45-9708-019B960494DF}">
               <a14:hiddenLine xmlns:a14="http://schemas.microsoft.com/office/drawing/2010/main" w="9525">
                 <a:solidFill>
                   <a:schemeClr val="tx1"/>
@@ -232,7 +234,7 @@
                 <a:tailEnd/>
               </a14:hiddenLine>
             </a:ext>
-            <a:ext uri="{AF507438-7753-43E0-B8FC-AC1667EBCBE1}">
+            <a:ext uri="{AF507438-7753-43e0-B8FC-AC1667EBCBE1}">
               <a14:hiddenEffects xmlns:a14="http://schemas.microsoft.com/office/drawing/2010/main">
                 <a:effectLst>
                   <a:outerShdw dist="35921" dir="2700000" algn="ctr" rotWithShape="0">
@@ -288,14 +290,14 @@
           </a:ln>
           <a:effectLst/>
           <a:extLst>
-            <a:ext uri="{909E8E84-426E-40DD-AFC4-6F175D3DCCD1}">
+            <a:ext uri="{909E8E84-426E-40dd-AFC4-6F175D3DCCD1}">
               <a14:hiddenFill xmlns:a14="http://schemas.microsoft.com/office/drawing/2010/main">
                 <a:solidFill>
                   <a:schemeClr val="accent1"/>
                 </a:solidFill>
               </a14:hiddenFill>
             </a:ext>
-            <a:ext uri="{91240B29-F687-4F45-9708-019B960494DF}">
+            <a:ext uri="{91240B29-F687-4f45-9708-019B960494DF}">
               <a14:hiddenLine xmlns:a14="http://schemas.microsoft.com/office/drawing/2010/main" w="9525">
                 <a:solidFill>
                   <a:schemeClr val="tx1"/>
@@ -305,7 +307,7 @@
                 <a:tailEnd/>
               </a14:hiddenLine>
             </a:ext>
-            <a:ext uri="{AF507438-7753-43E0-B8FC-AC1667EBCBE1}">
+            <a:ext uri="{AF507438-7753-43e0-B8FC-AC1667EBCBE1}">
               <a14:hiddenEffects xmlns:a14="http://schemas.microsoft.com/office/drawing/2010/main">
                 <a:effectLst>
                   <a:outerShdw dist="35921" dir="2700000" algn="ctr" rotWithShape="0">
@@ -361,14 +363,14 @@
           </a:ln>
           <a:effectLst/>
           <a:extLst>
-            <a:ext uri="{909E8E84-426E-40DD-AFC4-6F175D3DCCD1}">
+            <a:ext uri="{909E8E84-426E-40dd-AFC4-6F175D3DCCD1}">
               <a14:hiddenFill xmlns:a14="http://schemas.microsoft.com/office/drawing/2010/main">
                 <a:solidFill>
                   <a:schemeClr val="accent1"/>
                 </a:solidFill>
               </a14:hiddenFill>
             </a:ext>
-            <a:ext uri="{91240B29-F687-4F45-9708-019B960494DF}">
+            <a:ext uri="{91240B29-F687-4f45-9708-019B960494DF}">
               <a14:hiddenLine xmlns:a14="http://schemas.microsoft.com/office/drawing/2010/main" w="9525">
                 <a:solidFill>
                   <a:schemeClr val="tx1"/>
@@ -378,7 +380,7 @@
                 <a:tailEnd/>
               </a14:hiddenLine>
             </a:ext>
-            <a:ext uri="{AF507438-7753-43E0-B8FC-AC1667EBCBE1}">
+            <a:ext uri="{AF507438-7753-43e0-B8FC-AC1667EBCBE1}">
               <a14:hiddenEffects xmlns:a14="http://schemas.microsoft.com/office/drawing/2010/main">
                 <a:effectLst>
                   <a:outerShdw dist="35921" dir="2700000" algn="ctr" rotWithShape="0">
@@ -434,14 +436,14 @@
           </a:ln>
           <a:effectLst/>
           <a:extLst>
-            <a:ext uri="{909E8E84-426E-40DD-AFC4-6F175D3DCCD1}">
+            <a:ext uri="{909E8E84-426E-40dd-AFC4-6F175D3DCCD1}">
               <a14:hiddenFill xmlns:a14="http://schemas.microsoft.com/office/drawing/2010/main">
                 <a:solidFill>
                   <a:schemeClr val="accent1"/>
                 </a:solidFill>
               </a14:hiddenFill>
             </a:ext>
-            <a:ext uri="{91240B29-F687-4F45-9708-019B960494DF}">
+            <a:ext uri="{91240B29-F687-4f45-9708-019B960494DF}">
               <a14:hiddenLine xmlns:a14="http://schemas.microsoft.com/office/drawing/2010/main" w="9525">
                 <a:solidFill>
                   <a:schemeClr val="tx1"/>
@@ -451,7 +453,7 @@
                 <a:tailEnd/>
               </a14:hiddenLine>
             </a:ext>
-            <a:ext uri="{AF507438-7753-43E0-B8FC-AC1667EBCBE1}">
+            <a:ext uri="{AF507438-7753-43e0-B8FC-AC1667EBCBE1}">
               <a14:hiddenEffects xmlns:a14="http://schemas.microsoft.com/office/drawing/2010/main">
                 <a:effectLst>
                   <a:outerShdw dist="35921" dir="2700000" algn="ctr" rotWithShape="0">
@@ -548,14 +550,14 @@
           </a:ln>
           <a:effectLst/>
           <a:extLst>
-            <a:ext uri="{909E8E84-426E-40DD-AFC4-6F175D3DCCD1}">
+            <a:ext uri="{909E8E84-426E-40dd-AFC4-6F175D3DCCD1}">
               <a14:hiddenFill xmlns:a14="http://schemas.microsoft.com/office/drawing/2010/main">
                 <a:solidFill>
                   <a:schemeClr val="accent1"/>
                 </a:solidFill>
               </a14:hiddenFill>
             </a:ext>
-            <a:ext uri="{91240B29-F687-4F45-9708-019B960494DF}">
+            <a:ext uri="{91240B29-F687-4f45-9708-019B960494DF}">
               <a14:hiddenLine xmlns:a14="http://schemas.microsoft.com/office/drawing/2010/main" w="9525">
                 <a:solidFill>
                   <a:schemeClr val="tx1"/>
@@ -565,7 +567,7 @@
                 <a:tailEnd/>
               </a14:hiddenLine>
             </a:ext>
-            <a:ext uri="{AF507438-7753-43E0-B8FC-AC1667EBCBE1}">
+            <a:ext uri="{AF507438-7753-43e0-B8FC-AC1667EBCBE1}">
               <a14:hiddenEffects xmlns:a14="http://schemas.microsoft.com/office/drawing/2010/main">
                 <a:effectLst>
                   <a:outerShdw dist="35921" dir="2700000" algn="ctr" rotWithShape="0">
@@ -621,14 +623,14 @@
           </a:ln>
           <a:effectLst/>
           <a:extLst>
-            <a:ext uri="{909E8E84-426E-40DD-AFC4-6F175D3DCCD1}">
+            <a:ext uri="{909E8E84-426E-40dd-AFC4-6F175D3DCCD1}">
               <a14:hiddenFill xmlns:a14="http://schemas.microsoft.com/office/drawing/2010/main">
                 <a:solidFill>
                   <a:schemeClr val="accent1"/>
                 </a:solidFill>
               </a14:hiddenFill>
             </a:ext>
-            <a:ext uri="{91240B29-F687-4F45-9708-019B960494DF}">
+            <a:ext uri="{91240B29-F687-4f45-9708-019B960494DF}">
               <a14:hiddenLine xmlns:a14="http://schemas.microsoft.com/office/drawing/2010/main" w="9525">
                 <a:solidFill>
                   <a:schemeClr val="tx1"/>
@@ -638,7 +640,7 @@
                 <a:tailEnd/>
               </a14:hiddenLine>
             </a:ext>
-            <a:ext uri="{AF507438-7753-43E0-B8FC-AC1667EBCBE1}">
+            <a:ext uri="{AF507438-7753-43e0-B8FC-AC1667EBCBE1}">
               <a14:hiddenEffects xmlns:a14="http://schemas.microsoft.com/office/drawing/2010/main">
                 <a:effectLst>
                   <a:outerShdw dist="35921" dir="2700000" algn="ctr" rotWithShape="0">
@@ -699,14 +701,14 @@
           </a:ln>
           <a:effectLst/>
           <a:extLst>
-            <a:ext uri="{909E8E84-426E-40DD-AFC4-6F175D3DCCD1}">
+            <a:ext uri="{909E8E84-426E-40dd-AFC4-6F175D3DCCD1}">
               <a14:hiddenFill xmlns:a14="http://schemas.microsoft.com/office/drawing/2010/main">
                 <a:solidFill>
                   <a:srgbClr val="FFFFFF"/>
                 </a:solidFill>
               </a14:hiddenFill>
             </a:ext>
-            <a:ext uri="{AF507438-7753-43E0-B8FC-AC1667EBCBE1}">
+            <a:ext uri="{AF507438-7753-43e0-B8FC-AC1667EBCBE1}">
               <a14:hiddenEffects xmlns:a14="http://schemas.microsoft.com/office/drawing/2010/main">
                 <a:effectLst>
                   <a:outerShdw dist="35921" dir="2700000" algn="ctr" rotWithShape="0">
@@ -715,7 +717,7 @@
                 </a:effectLst>
               </a14:hiddenEffects>
             </a:ext>
-            <a:ext uri="{53640926-AAD7-44D8-BBD7-CCE9431645EC}">
+            <a:ext uri="{53640926-AAD7-44d8-BBD7-CCE9431645EC}">
               <a14:shadowObscured xmlns:a14="http://schemas.microsoft.com/office/drawing/2010/main" val="1"/>
             </a:ext>
           </a:extLst>
@@ -745,14 +747,14 @@
           </a:ln>
           <a:effectLst/>
           <a:extLst>
-            <a:ext uri="{909E8E84-426E-40DD-AFC4-6F175D3DCCD1}">
+            <a:ext uri="{909E8E84-426E-40dd-AFC4-6F175D3DCCD1}">
               <a14:hiddenFill xmlns:a14="http://schemas.microsoft.com/office/drawing/2010/main">
                 <a:solidFill>
                   <a:schemeClr val="accent1"/>
                 </a:solidFill>
               </a14:hiddenFill>
             </a:ext>
-            <a:ext uri="{91240B29-F687-4F45-9708-019B960494DF}">
+            <a:ext uri="{91240B29-F687-4f45-9708-019B960494DF}">
               <a14:hiddenLine xmlns:a14="http://schemas.microsoft.com/office/drawing/2010/main" w="9525">
                 <a:solidFill>
                   <a:schemeClr val="tx1"/>
@@ -762,7 +764,7 @@
                 <a:tailEnd/>
               </a14:hiddenLine>
             </a:ext>
-            <a:ext uri="{AF507438-7753-43E0-B8FC-AC1667EBCBE1}">
+            <a:ext uri="{AF507438-7753-43e0-B8FC-AC1667EBCBE1}">
               <a14:hiddenEffects xmlns:a14="http://schemas.microsoft.com/office/drawing/2010/main">
                 <a:effectLst>
                   <a:outerShdw dist="35921" dir="2700000" algn="ctr" rotWithShape="0">
@@ -841,14 +843,14 @@
           </a:ln>
           <a:effectLst/>
           <a:extLst>
-            <a:ext uri="{909E8E84-426E-40DD-AFC4-6F175D3DCCD1}">
+            <a:ext uri="{909E8E84-426E-40dd-AFC4-6F175D3DCCD1}">
               <a14:hiddenFill xmlns:a14="http://schemas.microsoft.com/office/drawing/2010/main">
                 <a:solidFill>
                   <a:schemeClr val="accent1"/>
                 </a:solidFill>
               </a14:hiddenFill>
             </a:ext>
-            <a:ext uri="{91240B29-F687-4F45-9708-019B960494DF}">
+            <a:ext uri="{91240B29-F687-4f45-9708-019B960494DF}">
               <a14:hiddenLine xmlns:a14="http://schemas.microsoft.com/office/drawing/2010/main" w="9525">
                 <a:solidFill>
                   <a:schemeClr val="tx1"/>
@@ -858,7 +860,7 @@
                 <a:tailEnd/>
               </a14:hiddenLine>
             </a:ext>
-            <a:ext uri="{AF507438-7753-43E0-B8FC-AC1667EBCBE1}">
+            <a:ext uri="{AF507438-7753-43e0-B8FC-AC1667EBCBE1}">
               <a14:hiddenEffects xmlns:a14="http://schemas.microsoft.com/office/drawing/2010/main">
                 <a:effectLst>
                   <a:outerShdw dist="35921" dir="2700000" algn="ctr" rotWithShape="0">
@@ -914,14 +916,14 @@
           </a:ln>
           <a:effectLst/>
           <a:extLst>
-            <a:ext uri="{909E8E84-426E-40DD-AFC4-6F175D3DCCD1}">
+            <a:ext uri="{909E8E84-426E-40dd-AFC4-6F175D3DCCD1}">
               <a14:hiddenFill xmlns:a14="http://schemas.microsoft.com/office/drawing/2010/main">
                 <a:solidFill>
                   <a:schemeClr val="accent1"/>
                 </a:solidFill>
               </a14:hiddenFill>
             </a:ext>
-            <a:ext uri="{91240B29-F687-4F45-9708-019B960494DF}">
+            <a:ext uri="{91240B29-F687-4f45-9708-019B960494DF}">
               <a14:hiddenLine xmlns:a14="http://schemas.microsoft.com/office/drawing/2010/main" w="9525">
                 <a:solidFill>
                   <a:schemeClr val="tx1"/>
@@ -931,7 +933,7 @@
                 <a:tailEnd/>
               </a14:hiddenLine>
             </a:ext>
-            <a:ext uri="{AF507438-7753-43E0-B8FC-AC1667EBCBE1}">
+            <a:ext uri="{AF507438-7753-43e0-B8FC-AC1667EBCBE1}">
               <a14:hiddenEffects xmlns:a14="http://schemas.microsoft.com/office/drawing/2010/main">
                 <a:effectLst>
                   <a:outerShdw dist="35921" dir="2700000" algn="ctr" rotWithShape="0">
@@ -1474,7 +1476,7 @@
                   <a:spcPct val="0"/>
                 </a:spcBef>
               </a:pPr>
-              <a:t>3</a:t>
+              <a:t>4</a:t>
             </a:fld>
             <a:endParaRPr lang="en-US" altLang="en-US"/>
           </a:p>
@@ -1689,7 +1691,7 @@
                   <a:spcPct val="0"/>
                 </a:spcBef>
               </a:pPr>
-              <a:t>4</a:t>
+              <a:t>5</a:t>
             </a:fld>
             <a:endParaRPr lang="en-US" altLang="en-US"/>
           </a:p>
@@ -1904,7 +1906,7 @@
                   <a:spcPct val="0"/>
                 </a:spcBef>
               </a:pPr>
-              <a:t>5</a:t>
+              <a:t>6</a:t>
             </a:fld>
             <a:endParaRPr lang="en-US" altLang="en-US"/>
           </a:p>
@@ -2119,7 +2121,7 @@
                   <a:spcPct val="0"/>
                 </a:spcBef>
               </a:pPr>
-              <a:t>6</a:t>
+              <a:t>7</a:t>
             </a:fld>
             <a:endParaRPr lang="en-US" altLang="en-US"/>
           </a:p>
@@ -2334,7 +2336,7 @@
                   <a:spcPct val="0"/>
                 </a:spcBef>
               </a:pPr>
-              <a:t>7</a:t>
+              <a:t>8</a:t>
             </a:fld>
             <a:endParaRPr lang="en-US" altLang="en-US"/>
           </a:p>
@@ -2450,14 +2452,14 @@
             <a:noFill/>
           </a:ln>
           <a:extLst>
-            <a:ext uri="{909E8E84-426E-40DD-AFC4-6F175D3DCCD1}">
+            <a:ext uri="{909E8E84-426E-40dd-AFC4-6F175D3DCCD1}">
               <a14:hiddenFill xmlns:a14="http://schemas.microsoft.com/office/drawing/2010/main">
                 <a:solidFill>
                   <a:srgbClr val="FFFFFF"/>
                 </a:solidFill>
               </a14:hiddenFill>
             </a:ext>
-            <a:ext uri="{91240B29-F687-4F45-9708-019B960494DF}">
+            <a:ext uri="{91240B29-F687-4f45-9708-019B960494DF}">
               <a14:hiddenLine xmlns:a14="http://schemas.microsoft.com/office/drawing/2010/main" w="9525">
                 <a:solidFill>
                   <a:srgbClr val="000000"/>
@@ -5556,14 +5558,14 @@
             <a:noFill/>
           </a:ln>
           <a:extLst>
-            <a:ext uri="{909E8E84-426E-40DD-AFC4-6F175D3DCCD1}">
+            <a:ext uri="{909E8E84-426E-40dd-AFC4-6F175D3DCCD1}">
               <a14:hiddenFill xmlns:a14="http://schemas.microsoft.com/office/drawing/2010/main">
                 <a:solidFill>
                   <a:srgbClr val="FFFFFF"/>
                 </a:solidFill>
               </a14:hiddenFill>
             </a:ext>
-            <a:ext uri="{91240B29-F687-4F45-9708-019B960494DF}">
+            <a:ext uri="{91240B29-F687-4f45-9708-019B960494DF}">
               <a14:hiddenLine xmlns:a14="http://schemas.microsoft.com/office/drawing/2010/main" w="9525">
                 <a:solidFill>
                   <a:srgbClr val="000000"/>
@@ -5600,14 +5602,14 @@
           </a:ln>
           <a:effectLst/>
           <a:extLst>
-            <a:ext uri="{909E8E84-426E-40DD-AFC4-6F175D3DCCD1}">
+            <a:ext uri="{909E8E84-426E-40dd-AFC4-6F175D3DCCD1}">
               <a14:hiddenFill xmlns:a14="http://schemas.microsoft.com/office/drawing/2010/main">
                 <a:solidFill>
                   <a:schemeClr val="accent1"/>
                 </a:solidFill>
               </a14:hiddenFill>
             </a:ext>
-            <a:ext uri="{91240B29-F687-4F45-9708-019B960494DF}">
+            <a:ext uri="{91240B29-F687-4f45-9708-019B960494DF}">
               <a14:hiddenLine xmlns:a14="http://schemas.microsoft.com/office/drawing/2010/main" w="9525">
                 <a:solidFill>
                   <a:schemeClr val="tx1"/>
@@ -5617,7 +5619,7 @@
                 <a:tailEnd/>
               </a14:hiddenLine>
             </a:ext>
-            <a:ext uri="{AF507438-7753-43E0-B8FC-AC1667EBCBE1}">
+            <a:ext uri="{AF507438-7753-43e0-B8FC-AC1667EBCBE1}">
               <a14:hiddenEffects xmlns:a14="http://schemas.microsoft.com/office/drawing/2010/main">
                 <a:effectLst>
                   <a:outerShdw dist="35921" dir="2700000" algn="ctr" rotWithShape="0">
@@ -5668,14 +5670,14 @@
           </a:ln>
           <a:effectLst/>
           <a:extLst>
-            <a:ext uri="{909E8E84-426E-40DD-AFC4-6F175D3DCCD1}">
+            <a:ext uri="{909E8E84-426E-40dd-AFC4-6F175D3DCCD1}">
               <a14:hiddenFill xmlns:a14="http://schemas.microsoft.com/office/drawing/2010/main">
                 <a:solidFill>
                   <a:schemeClr val="accent1"/>
                 </a:solidFill>
               </a14:hiddenFill>
             </a:ext>
-            <a:ext uri="{91240B29-F687-4F45-9708-019B960494DF}">
+            <a:ext uri="{91240B29-F687-4f45-9708-019B960494DF}">
               <a14:hiddenLine xmlns:a14="http://schemas.microsoft.com/office/drawing/2010/main" w="9525">
                 <a:solidFill>
                   <a:schemeClr val="tx1"/>
@@ -5685,7 +5687,7 @@
                 <a:tailEnd/>
               </a14:hiddenLine>
             </a:ext>
-            <a:ext uri="{AF507438-7753-43E0-B8FC-AC1667EBCBE1}">
+            <a:ext uri="{AF507438-7753-43e0-B8FC-AC1667EBCBE1}">
               <a14:hiddenEffects xmlns:a14="http://schemas.microsoft.com/office/drawing/2010/main">
                 <a:effectLst>
                   <a:outerShdw dist="35921" dir="2700000" algn="ctr" rotWithShape="0">
@@ -5764,14 +5766,14 @@
           </a:ln>
           <a:effectLst/>
           <a:extLst>
-            <a:ext uri="{909E8E84-426E-40DD-AFC4-6F175D3DCCD1}">
+            <a:ext uri="{909E8E84-426E-40dd-AFC4-6F175D3DCCD1}">
               <a14:hiddenFill xmlns:a14="http://schemas.microsoft.com/office/drawing/2010/main">
                 <a:solidFill>
                   <a:schemeClr val="accent1"/>
                 </a:solidFill>
               </a14:hiddenFill>
             </a:ext>
-            <a:ext uri="{91240B29-F687-4F45-9708-019B960494DF}">
+            <a:ext uri="{91240B29-F687-4f45-9708-019B960494DF}">
               <a14:hiddenLine xmlns:a14="http://schemas.microsoft.com/office/drawing/2010/main" w="9525">
                 <a:solidFill>
                   <a:schemeClr val="tx1"/>
@@ -5781,7 +5783,7 @@
                 <a:tailEnd/>
               </a14:hiddenLine>
             </a:ext>
-            <a:ext uri="{AF507438-7753-43E0-B8FC-AC1667EBCBE1}">
+            <a:ext uri="{AF507438-7753-43e0-B8FC-AC1667EBCBE1}">
               <a14:hiddenEffects xmlns:a14="http://schemas.microsoft.com/office/drawing/2010/main">
                 <a:effectLst>
                   <a:outerShdw dist="35921" dir="2700000" algn="ctr" rotWithShape="0">
@@ -5837,14 +5839,14 @@
           </a:ln>
           <a:effectLst/>
           <a:extLst>
-            <a:ext uri="{909E8E84-426E-40DD-AFC4-6F175D3DCCD1}">
+            <a:ext uri="{909E8E84-426E-40dd-AFC4-6F175D3DCCD1}">
               <a14:hiddenFill xmlns:a14="http://schemas.microsoft.com/office/drawing/2010/main">
                 <a:solidFill>
                   <a:schemeClr val="accent1"/>
                 </a:solidFill>
               </a14:hiddenFill>
             </a:ext>
-            <a:ext uri="{91240B29-F687-4F45-9708-019B960494DF}">
+            <a:ext uri="{91240B29-F687-4f45-9708-019B960494DF}">
               <a14:hiddenLine xmlns:a14="http://schemas.microsoft.com/office/drawing/2010/main" w="9525">
                 <a:solidFill>
                   <a:schemeClr val="tx1"/>
@@ -5854,7 +5856,7 @@
                 <a:tailEnd/>
               </a14:hiddenLine>
             </a:ext>
-            <a:ext uri="{AF507438-7753-43E0-B8FC-AC1667EBCBE1}">
+            <a:ext uri="{AF507438-7753-43e0-B8FC-AC1667EBCBE1}">
               <a14:hiddenEffects xmlns:a14="http://schemas.microsoft.com/office/drawing/2010/main">
                 <a:effectLst>
                   <a:outerShdw dist="35921" dir="2700000" algn="ctr" rotWithShape="0">
@@ -5910,14 +5912,14 @@
           </a:ln>
           <a:effectLst/>
           <a:extLst>
-            <a:ext uri="{909E8E84-426E-40DD-AFC4-6F175D3DCCD1}">
+            <a:ext uri="{909E8E84-426E-40dd-AFC4-6F175D3DCCD1}">
               <a14:hiddenFill xmlns:a14="http://schemas.microsoft.com/office/drawing/2010/main">
                 <a:solidFill>
                   <a:schemeClr val="accent1"/>
                 </a:solidFill>
               </a14:hiddenFill>
             </a:ext>
-            <a:ext uri="{91240B29-F687-4F45-9708-019B960494DF}">
+            <a:ext uri="{91240B29-F687-4f45-9708-019B960494DF}">
               <a14:hiddenLine xmlns:a14="http://schemas.microsoft.com/office/drawing/2010/main" w="9525">
                 <a:solidFill>
                   <a:schemeClr val="tx1"/>
@@ -5927,7 +5929,7 @@
                 <a:tailEnd/>
               </a14:hiddenLine>
             </a:ext>
-            <a:ext uri="{AF507438-7753-43E0-B8FC-AC1667EBCBE1}">
+            <a:ext uri="{AF507438-7753-43e0-B8FC-AC1667EBCBE1}">
               <a14:hiddenEffects xmlns:a14="http://schemas.microsoft.com/office/drawing/2010/main">
                 <a:effectLst>
                   <a:outerShdw dist="35921" dir="2700000" algn="ctr" rotWithShape="0">
@@ -6384,7 +6386,7 @@
             <a:ext cx="10044608" cy="1470025"/>
           </a:xfrm>
           <a:extLst>
-            <a:ext uri="{909E8E84-426E-40DD-AFC4-6F175D3DCCD1}">
+            <a:ext uri="{909E8E84-426E-40dd-AFC4-6F175D3DCCD1}">
               <a14:hiddenFill xmlns:a14="http://schemas.microsoft.com/office/drawing/2010/main">
                 <a:solidFill>
                   <a:srgbClr val="FF0080">
@@ -6393,7 +6395,7 @@
                 </a:solidFill>
               </a14:hiddenFill>
             </a:ext>
-            <a:ext uri="{91240B29-F687-4F45-9708-019B960494DF}">
+            <a:ext uri="{91240B29-F687-4f45-9708-019B960494DF}">
               <a14:hiddenLine xmlns:a14="http://schemas.microsoft.com/office/drawing/2010/main" w="9525">
                 <a:solidFill>
                   <a:srgbClr val="FF0080"/>
@@ -6447,14 +6449,14 @@
           </a:ln>
           <a:effectLst/>
           <a:extLst>
-            <a:ext uri="{909E8E84-426E-40DD-AFC4-6F175D3DCCD1}">
+            <a:ext uri="{909E8E84-426E-40dd-AFC4-6F175D3DCCD1}">
               <a14:hiddenFill xmlns:a14="http://schemas.microsoft.com/office/drawing/2010/main">
                 <a:solidFill>
                   <a:schemeClr val="accent1"/>
                 </a:solidFill>
               </a14:hiddenFill>
             </a:ext>
-            <a:ext uri="{91240B29-F687-4F45-9708-019B960494DF}">
+            <a:ext uri="{91240B29-F687-4f45-9708-019B960494DF}">
               <a14:hiddenLine xmlns:a14="http://schemas.microsoft.com/office/drawing/2010/main" w="9525">
                 <a:solidFill>
                   <a:schemeClr val="tx1"/>
@@ -6464,7 +6466,7 @@
                 <a:tailEnd/>
               </a14:hiddenLine>
             </a:ext>
-            <a:ext uri="{AF507438-7753-43E0-B8FC-AC1667EBCBE1}">
+            <a:ext uri="{AF507438-7753-43e0-B8FC-AC1667EBCBE1}">
               <a14:hiddenEffects xmlns:a14="http://schemas.microsoft.com/office/drawing/2010/main">
                 <a:effectLst>
                   <a:outerShdw dist="35921" dir="2700000" algn="ctr" rotWithShape="0">
@@ -6686,14 +6688,88 @@
   <p:clrMapOvr>
     <a:masterClrMapping/>
   </p:clrMapOvr>
-  <p:transition/>
+  <p:transition xmlns:p14="http://schemas.microsoft.com/office/powerpoint/2010/main"/>
   <p:timing>
     <p:tnLst>
       <p:par>
-        <p:cTn id="1" dur="indefinite" restart="never" nodeType="tmRoot"/>
+        <p:cTn xmlns:p14="http://schemas.microsoft.com/office/powerpoint/2010/main" id="1" dur="indefinite" restart="never" nodeType="tmRoot"/>
       </p:par>
     </p:tnLst>
   </p:timing>
+</p:sld>
+</file>
+
+<file path=ppt/slides/slide10.xml><?xml version="1.0" encoding="utf-8"?>
+<p:sld xmlns:a="http://schemas.openxmlformats.org/drawingml/2006/main" xmlns:r="http://schemas.openxmlformats.org/officeDocument/2006/relationships" xmlns:p="http://schemas.openxmlformats.org/presentationml/2006/main">
+  <p:cSld>
+    <p:spTree>
+      <p:nvGrpSpPr>
+        <p:cNvPr id="1" name=""/>
+        <p:cNvGrpSpPr/>
+        <p:nvPr/>
+      </p:nvGrpSpPr>
+      <p:grpSpPr>
+        <a:xfrm>
+          <a:off x="0" y="0"/>
+          <a:ext cx="0" cy="0"/>
+          <a:chOff x="0" y="0"/>
+          <a:chExt cx="0" cy="0"/>
+        </a:xfrm>
+      </p:grpSpPr>
+      <p:sp>
+        <p:nvSpPr>
+          <p:cNvPr id="2" name="Title 1"/>
+          <p:cNvSpPr>
+            <a:spLocks noGrp="1"/>
+          </p:cNvSpPr>
+          <p:nvPr>
+            <p:ph type="title"/>
+          </p:nvPr>
+        </p:nvSpPr>
+        <p:spPr>
+          <a:xfrm>
+            <a:off x="467217" y="2240868"/>
+            <a:ext cx="8229600" cy="1836204"/>
+          </a:xfrm>
+        </p:spPr>
+        <p:txBody>
+          <a:bodyPr/>
+          <a:lstStyle/>
+          <a:p>
+            <a:r>
+              <a:rPr lang="en-US" dirty="0" smtClean="0">
+                <a:latin typeface="Script MT Bold" panose="03040602040607080904" pitchFamily="66" charset="0"/>
+              </a:rPr>
+              <a:t>Q</a:t>
+            </a:r>
+            <a:r>
+              <a:rPr lang="en-US" altLang="zh-CN" dirty="0" smtClean="0">
+                <a:latin typeface="Script MT Bold" panose="03040602040607080904" pitchFamily="66" charset="0"/>
+              </a:rPr>
+              <a:t>uestions</a:t>
+            </a:r>
+            <a:r>
+              <a:rPr lang="zh-CN" altLang="en-US" dirty="0" smtClean="0">
+                <a:latin typeface="Script MT Bold" panose="03040602040607080904" pitchFamily="66" charset="0"/>
+              </a:rPr>
+              <a:t>？</a:t>
+            </a:r>
+            <a:endParaRPr lang="en-US" dirty="0">
+              <a:latin typeface="Script MT Bold" panose="03040602040607080904" pitchFamily="66" charset="0"/>
+            </a:endParaRPr>
+          </a:p>
+        </p:txBody>
+      </p:sp>
+    </p:spTree>
+    <p:extLst>
+      <p:ext uri="{BB962C8B-B14F-4D97-AF65-F5344CB8AC3E}">
+        <p14:creationId xmlns:p14="http://schemas.microsoft.com/office/powerpoint/2010/main" val="4189811084"/>
+      </p:ext>
+    </p:extLst>
+  </p:cSld>
+  <p:clrMapOvr>
+    <a:masterClrMapping/>
+  </p:clrMapOvr>
 </p:sld>
 </file>
 
@@ -6716,7 +6792,7 @@
       </p:grpSpPr>
       <p:sp>
         <p:nvSpPr>
-          <p:cNvPr id="2" name="Title 1"/>
+          <p:cNvPr id="2" name="标题 1"/>
           <p:cNvSpPr>
             <a:spLocks noGrp="1"/>
           </p:cNvSpPr>
@@ -6729,13 +6805,13 @@
           <a:bodyPr/>
           <a:lstStyle/>
           <a:p>
-            <a:endParaRPr lang="en-US" dirty="0"/>
-          </a:p>
-        </p:txBody>
-      </p:sp>
-      <p:sp>
-        <p:nvSpPr>
-          <p:cNvPr id="3" name="Content Placeholder 2"/>
+            <a:endParaRPr kumimoji="1" lang="zh-CN" altLang="en-US" dirty="0"/>
+          </a:p>
+        </p:txBody>
+      </p:sp>
+      <p:sp>
+        <p:nvSpPr>
+          <p:cNvPr id="3" name="内容占位符 2"/>
           <p:cNvSpPr>
             <a:spLocks noGrp="1"/>
           </p:cNvSpPr>
@@ -6748,65 +6824,53 @@
           <a:bodyPr/>
           <a:lstStyle/>
           <a:p>
-            <a:pPr marL="514350" indent="-514350">
-              <a:buFont typeface="+mj-lt"/>
-              <a:buAutoNum type="arabicPeriod"/>
-            </a:pPr>
-            <a:r>
-              <a:rPr lang="en-US" dirty="0" smtClean="0"/>
-              <a:t>Intro</a:t>
-            </a:r>
-          </a:p>
-          <a:p>
-            <a:pPr marL="514350" indent="-514350">
-              <a:buFont typeface="+mj-lt"/>
-              <a:buAutoNum type="arabicPeriod"/>
-            </a:pPr>
-            <a:r>
-              <a:rPr lang="en-US" dirty="0" smtClean="0"/>
-              <a:t>Interface</a:t>
-            </a:r>
-          </a:p>
-          <a:p>
-            <a:pPr marL="514350" indent="-514350">
-              <a:buFont typeface="+mj-lt"/>
-              <a:buAutoNum type="arabicPeriod"/>
-            </a:pPr>
-            <a:r>
-              <a:rPr lang="en-US" dirty="0" smtClean="0"/>
-              <a:t>Class diagram</a:t>
-            </a:r>
-          </a:p>
-          <a:p>
-            <a:pPr marL="514350" indent="-514350">
-              <a:buFont typeface="+mj-lt"/>
-              <a:buAutoNum type="arabicPeriod"/>
-            </a:pPr>
-            <a:r>
-              <a:rPr lang="en-US" dirty="0" smtClean="0"/>
-              <a:t>How to play the game</a:t>
-            </a:r>
-            <a:endParaRPr lang="en-US" dirty="0"/>
+            <a:r>
+              <a:rPr kumimoji="1" lang="en-US" altLang="zh-CN" dirty="0" smtClean="0"/>
+              <a:t>Task</a:t>
+            </a:r>
+            <a:r>
+              <a:rPr kumimoji="1" lang="zh-CN" altLang="en-US" dirty="0" smtClean="0"/>
+              <a:t> </a:t>
+            </a:r>
+            <a:endParaRPr kumimoji="1" lang="en-US" altLang="zh-CN" dirty="0" smtClean="0"/>
+          </a:p>
+          <a:p>
+            <a:r>
+              <a:rPr kumimoji="1" lang="en-US" altLang="zh-CN" dirty="0" smtClean="0"/>
+              <a:t>D</a:t>
+            </a:r>
+            <a:r>
+              <a:rPr kumimoji="1" lang="en-US" altLang="zh-CN" dirty="0" smtClean="0"/>
+              <a:t>ecision</a:t>
+            </a:r>
+          </a:p>
+          <a:p>
+            <a:r>
+              <a:rPr kumimoji="1" lang="en-US" altLang="zh-CN" dirty="0" smtClean="0"/>
+              <a:t>Idea</a:t>
+            </a:r>
+          </a:p>
+          <a:p>
+            <a:r>
+              <a:rPr kumimoji="1" lang="en-US" altLang="zh-CN" dirty="0" smtClean="0"/>
+              <a:t>Objective</a:t>
+            </a:r>
+          </a:p>
+          <a:p>
+            <a:endParaRPr kumimoji="1" lang="zh-CN" altLang="en-US" dirty="0"/>
           </a:p>
         </p:txBody>
       </p:sp>
     </p:spTree>
     <p:extLst>
       <p:ext uri="{BB962C8B-B14F-4D97-AF65-F5344CB8AC3E}">
-        <p14:creationId xmlns:p14="http://schemas.microsoft.com/office/powerpoint/2010/main" val="2341784309"/>
+        <p14:creationId xmlns:p14="http://schemas.microsoft.com/office/powerpoint/2010/main" val="1901129280"/>
       </p:ext>
     </p:extLst>
   </p:cSld>
   <p:clrMapOvr>
     <a:masterClrMapping/>
   </p:clrMapOvr>
-  <p:timing>
-    <p:tnLst>
-      <p:par>
-        <p:cTn id="1" dur="indefinite" restart="never" nodeType="tmRoot"/>
-      </p:par>
-    </p:tnLst>
-  </p:timing>
 </p:sld>
 </file>
 
@@ -6829,9 +6893,9 @@
       </p:grpSpPr>
       <p:sp>
         <p:nvSpPr>
-          <p:cNvPr id="7170" name="Rectangle 2"/>
-          <p:cNvSpPr>
-            <a:spLocks noGrp="1" noChangeArrowheads="1"/>
+          <p:cNvPr id="2" name="Title 1"/>
+          <p:cNvSpPr>
+            <a:spLocks noGrp="1"/>
           </p:cNvSpPr>
           <p:nvPr>
             <p:ph type="title"/>
@@ -6842,40 +6906,80 @@
           <a:bodyPr/>
           <a:lstStyle/>
           <a:p>
-            <a:pPr eaLnBrk="1" hangingPunct="1"/>
-            <a:r>
-              <a:rPr lang="en-US" altLang="en-US" dirty="0" smtClean="0"/>
-              <a:t>Interface for Game</a:t>
-            </a:r>
-            <a:endParaRPr lang="en-US" altLang="en-US" dirty="0" smtClean="0"/>
-          </a:p>
-        </p:txBody>
-      </p:sp>
-      <p:pic>
-        <p:nvPicPr>
-          <p:cNvPr id="2" name="Picture 1"/>
-          <p:cNvPicPr>
-            <a:picLocks noChangeAspect="1"/>
-          </p:cNvPicPr>
-          <p:nvPr/>
-        </p:nvPicPr>
-        <p:blipFill>
-          <a:blip r:embed="rId3"/>
-          <a:stretch>
-            <a:fillRect/>
-          </a:stretch>
-        </p:blipFill>
-        <p:spPr>
-          <a:xfrm>
-            <a:off x="827584" y="1628800"/>
-            <a:ext cx="7056784" cy="5097769"/>
-          </a:xfrm>
-          <a:prstGeom prst="rect">
-            <a:avLst/>
-          </a:prstGeom>
-        </p:spPr>
-      </p:pic>
+            <a:r>
+              <a:rPr lang="en-US" dirty="0" smtClean="0"/>
+              <a:t>C</a:t>
+            </a:r>
+            <a:r>
+              <a:rPr lang="en-US" altLang="zh-CN" dirty="0" smtClean="0"/>
+              <a:t>ore</a:t>
+            </a:r>
+            <a:r>
+              <a:rPr lang="zh-CN" altLang="en-US" dirty="0" smtClean="0"/>
+              <a:t> </a:t>
+            </a:r>
+            <a:r>
+              <a:rPr lang="en-US" altLang="zh-CN" dirty="0" smtClean="0"/>
+              <a:t>Issues</a:t>
+            </a:r>
+            <a:endParaRPr lang="en-US" dirty="0"/>
+          </a:p>
+        </p:txBody>
+      </p:sp>
+      <p:sp>
+        <p:nvSpPr>
+          <p:cNvPr id="3" name="Content Placeholder 2"/>
+          <p:cNvSpPr>
+            <a:spLocks noGrp="1"/>
+          </p:cNvSpPr>
+          <p:nvPr>
+            <p:ph idx="1"/>
+          </p:nvPr>
+        </p:nvSpPr>
+        <p:spPr/>
+        <p:txBody>
+          <a:bodyPr/>
+          <a:lstStyle/>
+          <a:p>
+            <a:pPr marL="514350" indent="-514350">
+              <a:buFont typeface="+mj-lt"/>
+              <a:buAutoNum type="arabicPeriod"/>
+            </a:pPr>
+            <a:r>
+              <a:rPr lang="en-US" dirty="0" smtClean="0"/>
+              <a:t>Interface</a:t>
+            </a:r>
+            <a:endParaRPr lang="en-US" dirty="0" smtClean="0"/>
+          </a:p>
+          <a:p>
+            <a:pPr marL="514350" indent="-514350">
+              <a:buFont typeface="+mj-lt"/>
+              <a:buAutoNum type="arabicPeriod"/>
+            </a:pPr>
+            <a:r>
+              <a:rPr lang="en-US" dirty="0" smtClean="0"/>
+              <a:t>Class diagram</a:t>
+            </a:r>
+          </a:p>
+          <a:p>
+            <a:pPr marL="514350" indent="-514350">
+              <a:buFont typeface="+mj-lt"/>
+              <a:buAutoNum type="arabicPeriod"/>
+            </a:pPr>
+            <a:r>
+              <a:rPr lang="en-US" dirty="0" smtClean="0"/>
+              <a:t>How to play the game</a:t>
+            </a:r>
+            <a:endParaRPr lang="en-US" dirty="0"/>
+          </a:p>
+        </p:txBody>
+      </p:sp>
     </p:spTree>
+    <p:extLst>
+      <p:ext uri="{BB962C8B-B14F-4D97-AF65-F5344CB8AC3E}">
+        <p14:creationId xmlns:p14="http://schemas.microsoft.com/office/powerpoint/2010/main" val="2341784309"/>
+      </p:ext>
+    </p:extLst>
   </p:cSld>
   <p:clrMapOvr>
     <a:masterClrMapping/>
@@ -6883,7 +6987,7 @@
   <p:timing>
     <p:tnLst>
       <p:par>
-        <p:cTn id="1" dur="indefinite" restart="never" nodeType="tmRoot"/>
+        <p:cTn xmlns:p14="http://schemas.microsoft.com/office/powerpoint/2010/main" id="1" dur="indefinite" restart="never" nodeType="tmRoot"/>
       </p:par>
     </p:tnLst>
   </p:timing>
@@ -6909,6 +7013,85 @@
       </p:grpSpPr>
       <p:sp>
         <p:nvSpPr>
+          <p:cNvPr id="7170" name="Rectangle 2"/>
+          <p:cNvSpPr>
+            <a:spLocks noGrp="1" noChangeArrowheads="1"/>
+          </p:cNvSpPr>
+          <p:nvPr>
+            <p:ph type="title"/>
+          </p:nvPr>
+        </p:nvSpPr>
+        <p:spPr/>
+        <p:txBody>
+          <a:bodyPr/>
+          <a:lstStyle/>
+          <a:p>
+            <a:pPr eaLnBrk="1" hangingPunct="1"/>
+            <a:r>
+              <a:rPr lang="en-US" altLang="en-US" dirty="0" smtClean="0"/>
+              <a:t>Interface for Game</a:t>
+            </a:r>
+          </a:p>
+        </p:txBody>
+      </p:sp>
+      <p:pic>
+        <p:nvPicPr>
+          <p:cNvPr id="2" name="Picture 1"/>
+          <p:cNvPicPr>
+            <a:picLocks noChangeAspect="1"/>
+          </p:cNvPicPr>
+          <p:nvPr/>
+        </p:nvPicPr>
+        <p:blipFill>
+          <a:blip r:embed="rId3"/>
+          <a:stretch>
+            <a:fillRect/>
+          </a:stretch>
+        </p:blipFill>
+        <p:spPr>
+          <a:xfrm>
+            <a:off x="827584" y="1628800"/>
+            <a:ext cx="7056784" cy="5097769"/>
+          </a:xfrm>
+          <a:prstGeom prst="rect">
+            <a:avLst/>
+          </a:prstGeom>
+        </p:spPr>
+      </p:pic>
+    </p:spTree>
+  </p:cSld>
+  <p:clrMapOvr>
+    <a:masterClrMapping/>
+  </p:clrMapOvr>
+  <p:timing>
+    <p:tnLst>
+      <p:par>
+        <p:cTn xmlns:p14="http://schemas.microsoft.com/office/powerpoint/2010/main" id="1" dur="indefinite" restart="never" nodeType="tmRoot"/>
+      </p:par>
+    </p:tnLst>
+  </p:timing>
+</p:sld>
+</file>
+
+<file path=ppt/slides/slide5.xml><?xml version="1.0" encoding="utf-8"?>
+<p:sld xmlns:a="http://schemas.openxmlformats.org/drawingml/2006/main" xmlns:r="http://schemas.openxmlformats.org/officeDocument/2006/relationships" xmlns:p="http://schemas.openxmlformats.org/presentationml/2006/main">
+  <p:cSld>
+    <p:spTree>
+      <p:nvGrpSpPr>
+        <p:cNvPr id="1" name=""/>
+        <p:cNvGrpSpPr/>
+        <p:nvPr/>
+      </p:nvGrpSpPr>
+      <p:grpSpPr>
+        <a:xfrm>
+          <a:off x="0" y="0"/>
+          <a:ext cx="0" cy="0"/>
+          <a:chOff x="0" y="0"/>
+          <a:chExt cx="0" cy="0"/>
+        </a:xfrm>
+      </p:grpSpPr>
+      <p:sp>
+        <p:nvSpPr>
           <p:cNvPr id="9218" name="Rectangle 2"/>
           <p:cNvSpPr>
             <a:spLocks noGrp="1" noChangeArrowheads="1"/>
@@ -6967,14 +7150,14 @@
   <p:timing>
     <p:tnLst>
       <p:par>
-        <p:cTn id="1" dur="indefinite" restart="never" nodeType="tmRoot"/>
+        <p:cTn xmlns:p14="http://schemas.microsoft.com/office/powerpoint/2010/main" id="1" dur="indefinite" restart="never" nodeType="tmRoot"/>
       </p:par>
     </p:tnLst>
   </p:timing>
 </p:sld>
 </file>
 
-<file path=ppt/slides/slide5.xml><?xml version="1.0" encoding="utf-8"?>
+<file path=ppt/slides/slide6.xml><?xml version="1.0" encoding="utf-8"?>
 <p:sld xmlns:a="http://schemas.openxmlformats.org/drawingml/2006/main" xmlns:r="http://schemas.openxmlformats.org/officeDocument/2006/relationships" xmlns:p="http://schemas.openxmlformats.org/presentationml/2006/main">
   <p:cSld>
     <p:spTree>
@@ -7056,85 +7239,7 @@
   <p:timing>
     <p:tnLst>
       <p:par>
-        <p:cTn id="1" dur="indefinite" restart="never" nodeType="tmRoot"/>
-      </p:par>
-    </p:tnLst>
-  </p:timing>
-</p:sld>
-</file>
-
-<file path=ppt/slides/slide6.xml><?xml version="1.0" encoding="utf-8"?>
-<p:sld xmlns:a="http://schemas.openxmlformats.org/drawingml/2006/main" xmlns:r="http://schemas.openxmlformats.org/officeDocument/2006/relationships" xmlns:p="http://schemas.openxmlformats.org/presentationml/2006/main">
-  <p:cSld>
-    <p:spTree>
-      <p:nvGrpSpPr>
-        <p:cNvPr id="1" name=""/>
-        <p:cNvGrpSpPr/>
-        <p:nvPr/>
-      </p:nvGrpSpPr>
-      <p:grpSpPr>
-        <a:xfrm>
-          <a:off x="0" y="0"/>
-          <a:ext cx="0" cy="0"/>
-          <a:chOff x="0" y="0"/>
-          <a:chExt cx="0" cy="0"/>
-        </a:xfrm>
-      </p:grpSpPr>
-      <p:sp>
-        <p:nvSpPr>
-          <p:cNvPr id="13314" name="Rectangle 2"/>
-          <p:cNvSpPr>
-            <a:spLocks noGrp="1" noChangeArrowheads="1"/>
-          </p:cNvSpPr>
-          <p:nvPr>
-            <p:ph type="title"/>
-          </p:nvPr>
-        </p:nvSpPr>
-        <p:spPr/>
-        <p:txBody>
-          <a:bodyPr/>
-          <a:lstStyle/>
-          <a:p>
-            <a:pPr eaLnBrk="1" hangingPunct="1"/>
-            <a:r>
-              <a:rPr lang="en-GB" altLang="en-US" dirty="0" smtClean="0"/>
-              <a:t>Class diagram: Server</a:t>
-            </a:r>
-            <a:endParaRPr lang="en-US" altLang="en-US" dirty="0" smtClean="0"/>
-          </a:p>
-        </p:txBody>
-      </p:sp>
-      <p:pic>
-        <p:nvPicPr>
-          <p:cNvPr id="9" name="Picture 8"/>
-          <p:cNvPicPr/>
-          <p:nvPr/>
-        </p:nvPicPr>
-        <p:blipFill>
-          <a:blip r:embed="rId3"/>
-          <a:stretch>
-            <a:fillRect/>
-          </a:stretch>
-        </p:blipFill>
-        <p:spPr>
-          <a:xfrm>
-            <a:off x="791580" y="1268760"/>
-            <a:ext cx="7560840" cy="5184576"/>
-          </a:xfrm>
-          <a:prstGeom prst="rect">
-            <a:avLst/>
-          </a:prstGeom>
-        </p:spPr>
-      </p:pic>
-    </p:spTree>
-  </p:cSld>
-  <p:clrMapOvr>
-    <a:masterClrMapping/>
-  </p:clrMapOvr>
-  <p:timing>
-    <p:tnLst>
-      <p:par>
-        <p:cTn id="1" dur="indefinite" restart="never" nodeType="tmRoot"/>
+        <p:cTn xmlns:p14="http://schemas.microsoft.com/office/powerpoint/2010/main" id="1" dur="indefinite" restart="never" nodeType="tmRoot"/>
       </p:par>
     </p:tnLst>
   </p:timing>
@@ -7160,6 +7265,84 @@
       </p:grpSpPr>
       <p:sp>
         <p:nvSpPr>
+          <p:cNvPr id="13314" name="Rectangle 2"/>
+          <p:cNvSpPr>
+            <a:spLocks noGrp="1" noChangeArrowheads="1"/>
+          </p:cNvSpPr>
+          <p:nvPr>
+            <p:ph type="title"/>
+          </p:nvPr>
+        </p:nvSpPr>
+        <p:spPr/>
+        <p:txBody>
+          <a:bodyPr/>
+          <a:lstStyle/>
+          <a:p>
+            <a:pPr eaLnBrk="1" hangingPunct="1"/>
+            <a:r>
+              <a:rPr lang="en-GB" altLang="en-US" dirty="0" smtClean="0"/>
+              <a:t>Class diagram: Server</a:t>
+            </a:r>
+            <a:endParaRPr lang="en-US" altLang="en-US" dirty="0" smtClean="0"/>
+          </a:p>
+        </p:txBody>
+      </p:sp>
+      <p:pic>
+        <p:nvPicPr>
+          <p:cNvPr id="9" name="Picture 8"/>
+          <p:cNvPicPr/>
+          <p:nvPr/>
+        </p:nvPicPr>
+        <p:blipFill>
+          <a:blip r:embed="rId3"/>
+          <a:stretch>
+            <a:fillRect/>
+          </a:stretch>
+        </p:blipFill>
+        <p:spPr>
+          <a:xfrm>
+            <a:off x="791580" y="1268760"/>
+            <a:ext cx="7560840" cy="5184576"/>
+          </a:xfrm>
+          <a:prstGeom prst="rect">
+            <a:avLst/>
+          </a:prstGeom>
+        </p:spPr>
+      </p:pic>
+    </p:spTree>
+  </p:cSld>
+  <p:clrMapOvr>
+    <a:masterClrMapping/>
+  </p:clrMapOvr>
+  <p:timing>
+    <p:tnLst>
+      <p:par>
+        <p:cTn xmlns:p14="http://schemas.microsoft.com/office/powerpoint/2010/main" id="1" dur="indefinite" restart="never" nodeType="tmRoot"/>
+      </p:par>
+    </p:tnLst>
+  </p:timing>
+</p:sld>
+</file>
+
+<file path=ppt/slides/slide8.xml><?xml version="1.0" encoding="utf-8"?>
+<p:sld xmlns:a="http://schemas.openxmlformats.org/drawingml/2006/main" xmlns:r="http://schemas.openxmlformats.org/officeDocument/2006/relationships" xmlns:p="http://schemas.openxmlformats.org/presentationml/2006/main">
+  <p:cSld>
+    <p:spTree>
+      <p:nvGrpSpPr>
+        <p:cNvPr id="1" name=""/>
+        <p:cNvGrpSpPr/>
+        <p:nvPr/>
+      </p:nvGrpSpPr>
+      <p:grpSpPr>
+        <a:xfrm>
+          <a:off x="0" y="0"/>
+          <a:ext cx="0" cy="0"/>
+          <a:chOff x="0" y="0"/>
+          <a:chExt cx="0" cy="0"/>
+        </a:xfrm>
+      </p:grpSpPr>
+      <p:sp>
+        <p:nvSpPr>
           <p:cNvPr id="15362" name="Rectangle 2"/>
           <p:cNvSpPr>
             <a:spLocks noChangeArrowheads="1"/>
@@ -7180,7 +7363,7 @@
           </a:ln>
           <a:effectLst/>
           <a:extLst>
-            <a:ext uri="{909E8E84-426E-40DD-AFC4-6F175D3DCCD1}">
+            <a:ext uri="{909E8E84-426E-40dd-AFC4-6F175D3DCCD1}">
               <a14:hiddenFill xmlns:a14="http://schemas.microsoft.com/office/drawing/2010/main">
                 <a:solidFill>
                   <a:srgbClr val="7FD7FC">
@@ -7189,7 +7372,7 @@
                 </a:solidFill>
               </a14:hiddenFill>
             </a:ext>
-            <a:ext uri="{91240B29-F687-4F45-9708-019B960494DF}">
+            <a:ext uri="{91240B29-F687-4f45-9708-019B960494DF}">
               <a14:hiddenLine xmlns:a14="http://schemas.microsoft.com/office/drawing/2010/main" w="9525">
                 <a:solidFill>
                   <a:schemeClr val="tx1"/>
@@ -7199,7 +7382,7 @@
                 <a:tailEnd/>
               </a14:hiddenLine>
             </a:ext>
-            <a:ext uri="{AF507438-7753-43E0-B8FC-AC1667EBCBE1}">
+            <a:ext uri="{AF507438-7753-43e0-B8FC-AC1667EBCBE1}">
               <a14:hiddenEffects xmlns:a14="http://schemas.microsoft.com/office/drawing/2010/main">
                 <a:effectLst>
                   <a:outerShdw dist="35921" dir="2700000" algn="ctr" rotWithShape="0">
@@ -7770,18 +7953,18 @@
   <p:clrMapOvr>
     <a:masterClrMapping/>
   </p:clrMapOvr>
-  <p:transition/>
+  <p:transition xmlns:p14="http://schemas.microsoft.com/office/powerpoint/2010/main"/>
   <p:timing>
     <p:tnLst>
       <p:par>
-        <p:cTn id="1" dur="indefinite" restart="never" nodeType="tmRoot"/>
+        <p:cTn xmlns:p14="http://schemas.microsoft.com/office/powerpoint/2010/main" id="1" dur="indefinite" restart="never" nodeType="tmRoot"/>
       </p:par>
     </p:tnLst>
   </p:timing>
 </p:sld>
 </file>
 
-<file path=ppt/slides/slide8.xml><?xml version="1.0" encoding="utf-8"?>
+<file path=ppt/slides/slide9.xml><?xml version="1.0" encoding="utf-8"?>
 <p:sld xmlns:a="http://schemas.openxmlformats.org/drawingml/2006/main" xmlns:r="http://schemas.openxmlformats.org/officeDocument/2006/relationships" xmlns:p="http://schemas.openxmlformats.org/presentationml/2006/main">
   <p:cSld>
     <p:spTree>
@@ -7863,14 +8046,14 @@
           </a:ln>
           <a:effectLst/>
           <a:extLst>
-            <a:ext uri="{909E8E84-426E-40DD-AFC4-6F175D3DCCD1}">
+            <a:ext uri="{909E8E84-426E-40dd-AFC4-6F175D3DCCD1}">
               <a14:hiddenFill xmlns:a14="http://schemas.microsoft.com/office/drawing/2010/main">
                 <a:solidFill>
                   <a:schemeClr val="accent1"/>
                 </a:solidFill>
               </a14:hiddenFill>
             </a:ext>
-            <a:ext uri="{91240B29-F687-4F45-9708-019B960494DF}">
+            <a:ext uri="{91240B29-F687-4f45-9708-019B960494DF}">
               <a14:hiddenLine xmlns:a14="http://schemas.microsoft.com/office/drawing/2010/main" w="9525">
                 <a:solidFill>
                   <a:schemeClr val="tx1"/>
@@ -7880,7 +8063,7 @@
                 <a:tailEnd/>
               </a14:hiddenLine>
             </a:ext>
-            <a:ext uri="{AF507438-7753-43E0-B8FC-AC1667EBCBE1}">
+            <a:ext uri="{AF507438-7753-43e0-B8FC-AC1667EBCBE1}">
               <a14:hiddenEffects xmlns:a14="http://schemas.microsoft.com/office/drawing/2010/main">
                 <a:effectLst>
                   <a:outerShdw dist="35921" dir="2700000" algn="ctr" rotWithShape="0">

--- a/Final project/MDW presentation.pptx
+++ b/Final project/MDW presentation.pptx
@@ -151,7 +151,7 @@
   </p:defaultTextStyle>
   <p:extLst>
     <p:ext uri="{EFAFB233-063F-42B5-8137-9DF3F51BA10A}">
-      <p15:sldGuideLst xmlns:p15="http://schemas.microsoft.com/office/powerpoint/2012/main" xmlns="">
+      <p15:sldGuideLst xmlns="" xmlns:p15="http://schemas.microsoft.com/office/powerpoint/2012/main">
         <p15:guide id="1" orient="horz" pos="2160">
           <p15:clr>
             <a:srgbClr val="A4A3A4"/>
@@ -6837,11 +6837,7 @@
           <a:p>
             <a:r>
               <a:rPr kumimoji="1" lang="en-US" altLang="zh-CN" dirty="0" smtClean="0"/>
-              <a:t>D</a:t>
-            </a:r>
-            <a:r>
-              <a:rPr kumimoji="1" lang="en-US" altLang="zh-CN" dirty="0" smtClean="0"/>
-              <a:t>ecision</a:t>
+              <a:t>Decision</a:t>
             </a:r>
           </a:p>
           <a:p>
@@ -6908,19 +6904,11 @@
           <a:p>
             <a:r>
               <a:rPr lang="en-US" dirty="0" smtClean="0"/>
-              <a:t>C</a:t>
+              <a:t>T</a:t>
             </a:r>
             <a:r>
               <a:rPr lang="en-US" altLang="zh-CN" dirty="0" smtClean="0"/>
-              <a:t>ore</a:t>
-            </a:r>
-            <a:r>
-              <a:rPr lang="zh-CN" altLang="en-US" dirty="0" smtClean="0"/>
-              <a:t> </a:t>
-            </a:r>
-            <a:r>
-              <a:rPr lang="en-US" altLang="zh-CN" dirty="0" smtClean="0"/>
-              <a:t>Issues</a:t>
+              <a:t>opics</a:t>
             </a:r>
             <a:endParaRPr lang="en-US" dirty="0"/>
           </a:p>
@@ -6949,7 +6937,6 @@
               <a:rPr lang="en-US" dirty="0" smtClean="0"/>
               <a:t>Interface</a:t>
             </a:r>
-            <a:endParaRPr lang="en-US" dirty="0" smtClean="0"/>
           </a:p>
           <a:p>
             <a:pPr marL="514350" indent="-514350">
